--- a/Week 07 - AWS.pptx
+++ b/Week 07 - AWS.pptx
@@ -219,7 +219,7 @@
           <a:p>
             <a:fld id="{E45AE09D-392D-8648-BE3C-055C545D1BB5}" type="datetimeFigureOut">
               <a:rPr lang="en-US" smtClean="0"/>
-              <a:t>3/1/22</a:t>
+              <a:t>8/1/22</a:t>
             </a:fld>
             <a:endParaRPr lang="en-US"/>
           </a:p>
@@ -948,7 +948,7 @@
           <a:p>
             <a:fld id="{9AB3A824-1A51-4B26-AD58-A6D8E14F6C04}" type="datetimeFigureOut">
               <a:rPr lang="en-US" dirty="0"/>
-              <a:t>3/1/22</a:t>
+              <a:t>8/1/22</a:t>
             </a:fld>
             <a:endParaRPr lang="en-US" dirty="0"/>
           </a:p>
@@ -1282,7 +1282,7 @@
           <a:p>
             <a:fld id="{D857E33E-8B18-4087-B112-809917729534}" type="datetimeFigureOut">
               <a:rPr lang="en-US" dirty="0"/>
-              <a:t>3/1/22</a:t>
+              <a:t>8/1/22</a:t>
             </a:fld>
             <a:endParaRPr lang="en-US" dirty="0"/>
           </a:p>
@@ -1584,7 +1584,7 @@
           <a:p>
             <a:fld id="{D3FFE419-2371-464F-8239-3959401C3561}" type="datetimeFigureOut">
               <a:rPr lang="en-US" dirty="0"/>
-              <a:t>3/1/22</a:t>
+              <a:t>8/1/22</a:t>
             </a:fld>
             <a:endParaRPr lang="en-US" dirty="0"/>
           </a:p>
@@ -1831,7 +1831,7 @@
           <a:p>
             <a:fld id="{97D162C4-EDD9-4389-A98B-B87ECEA2A816}" type="datetimeFigureOut">
               <a:rPr lang="en-US" dirty="0"/>
-              <a:t>3/1/22</a:t>
+              <a:t>8/1/22</a:t>
             </a:fld>
             <a:endParaRPr lang="en-US" dirty="0"/>
           </a:p>
@@ -2238,7 +2238,7 @@
           <a:p>
             <a:fld id="{3E5059C3-6A89-4494-99FF-5A4D6FFD50EB}" type="datetimeFigureOut">
               <a:rPr lang="en-US" dirty="0"/>
-              <a:t>3/1/22</a:t>
+              <a:t>8/1/22</a:t>
             </a:fld>
             <a:endParaRPr lang="en-US" dirty="0"/>
           </a:p>
@@ -2552,7 +2552,7 @@
           <a:p>
             <a:fld id="{CA954B2F-12DE-47F5-8894-472B206D2E1E}" type="datetimeFigureOut">
               <a:rPr lang="en-US" dirty="0"/>
-              <a:t>3/1/22</a:t>
+              <a:t>8/1/22</a:t>
             </a:fld>
             <a:endParaRPr lang="en-US" dirty="0"/>
           </a:p>
@@ -3096,7 +3096,7 @@
           <a:p>
             <a:fld id="{3F30E46F-7819-4ACF-B48B-48222C2ACC88}" type="datetimeFigureOut">
               <a:rPr lang="en-US" dirty="0"/>
-              <a:t>3/1/22</a:t>
+              <a:t>8/1/22</a:t>
             </a:fld>
             <a:endParaRPr lang="en-US" dirty="0"/>
           </a:p>
@@ -3291,7 +3291,7 @@
           <a:p>
             <a:fld id="{1FAF3416-4057-4DAA-829D-4CA07428D088}" type="datetimeFigureOut">
               <a:rPr lang="en-US" dirty="0"/>
-              <a:t>3/1/22</a:t>
+              <a:t>8/1/22</a:t>
             </a:fld>
             <a:endParaRPr lang="en-US" dirty="0"/>
           </a:p>
@@ -3504,7 +3504,7 @@
           <a:p>
             <a:fld id="{921D9284-D300-4297-87F7-E791DCC15DB1}" type="datetimeFigureOut">
               <a:rPr lang="en-US" dirty="0"/>
-              <a:t>3/1/22</a:t>
+              <a:t>8/1/22</a:t>
             </a:fld>
             <a:endParaRPr lang="en-US" dirty="0"/>
           </a:p>
@@ -3873,7 +3873,7 @@
           <a:p>
             <a:fld id="{37D525BB-DA17-4BA0-B3C8-3AC3ABC827E6}" type="datetimeFigureOut">
               <a:rPr lang="en-US" dirty="0"/>
-              <a:t>3/1/22</a:t>
+              <a:t>8/1/22</a:t>
             </a:fld>
             <a:endParaRPr lang="en-US" dirty="0"/>
           </a:p>
@@ -4276,7 +4276,7 @@
           <a:p>
             <a:fld id="{B16C4C9A-3960-41CF-A4E9-2A8FB932454B}" type="datetimeFigureOut">
               <a:rPr lang="en-US" dirty="0"/>
-              <a:t>3/1/22</a:t>
+              <a:t>8/1/22</a:t>
             </a:fld>
             <a:endParaRPr lang="en-US" dirty="0"/>
           </a:p>
@@ -4587,7 +4587,7 @@
           <a:p>
             <a:fld id="{3CBC1C18-307B-4F68-A007-B5B542270E8D}" type="datetimeFigureOut">
               <a:rPr lang="en-US" dirty="0"/>
-              <a:t>3/1/22</a:t>
+              <a:t>8/1/22</a:t>
             </a:fld>
             <a:endParaRPr lang="en-US" dirty="0"/>
           </a:p>
@@ -6570,6 +6570,17 @@
               <a:rPr lang="en-US" dirty="0"/>
               <a:t>Next class will be Wednesday March 23</a:t>
             </a:r>
+          </a:p>
+          <a:p>
+            <a:r>
+              <a:rPr lang="en-US" dirty="0"/>
+              <a:t>Needs to </a:t>
+            </a:r>
+            <a:r>
+              <a:rPr lang="en-US"/>
+              <a:t>be updated</a:t>
+            </a:r>
+            <a:endParaRPr lang="en-US" dirty="0"/>
           </a:p>
         </p:txBody>
       </p:sp>
